--- a/Реляционная Алгебра/Презентация.pptx
+++ b/Реляционная Алгебра/Презентация.pptx
@@ -9,12 +9,18 @@
     <p:sldId id="257" r:id="rId3"/>
     <p:sldId id="258" r:id="rId4"/>
     <p:sldId id="259" r:id="rId5"/>
-    <p:sldId id="260" r:id="rId6"/>
-    <p:sldId id="261" r:id="rId7"/>
-    <p:sldId id="262" r:id="rId8"/>
-    <p:sldId id="263" r:id="rId9"/>
-    <p:sldId id="264" r:id="rId10"/>
-    <p:sldId id="265" r:id="rId11"/>
+    <p:sldId id="266" r:id="rId6"/>
+    <p:sldId id="260" r:id="rId7"/>
+    <p:sldId id="270" r:id="rId8"/>
+    <p:sldId id="262" r:id="rId9"/>
+    <p:sldId id="263" r:id="rId10"/>
+    <p:sldId id="264" r:id="rId11"/>
+    <p:sldId id="272" r:id="rId12"/>
+    <p:sldId id="265" r:id="rId13"/>
+    <p:sldId id="267" r:id="rId14"/>
+    <p:sldId id="268" r:id="rId15"/>
+    <p:sldId id="269" r:id="rId16"/>
+    <p:sldId id="271" r:id="rId17"/>
   </p:sldIdLst>
   <p:sldSz cx="12192000" cy="6858000"/>
   <p:notesSz cx="6858000" cy="9144000"/>
@@ -113,6 +119,11 @@
       </a:defRPr>
     </a:lvl9pPr>
   </p:defaultTextStyle>
+  <p:extLst>
+    <p:ext uri="{EFAFB233-063F-42B5-8137-9DF3F51BA10A}">
+      <p15:sldGuideLst xmlns:p15="http://schemas.microsoft.com/office/powerpoint/2012/main"/>
+    </p:ext>
+  </p:extLst>
 </p:presentation>
 </file>
 
@@ -2990,11 +3001,11 @@
           <a:p>
             <a:r>
               <a:rPr lang="ru-RU" dirty="0"/>
-              <a:t>Реляционная </a:t>
+              <a:t>р</a:t>
             </a:r>
             <a:r>
               <a:rPr lang="ru-RU" dirty="0" smtClean="0"/>
-              <a:t>Алгебра</a:t>
+              <a:t>еляционная алгебра</a:t>
             </a:r>
             <a:endParaRPr lang="ru-RU" dirty="0"/>
           </a:p>
@@ -3239,6 +3250,13 @@
   <p:clrMapOvr>
     <a:masterClrMapping/>
   </p:clrMapOvr>
+  <p:timing>
+    <p:tnLst>
+      <p:par>
+        <p:cTn id="1" dur="indefinite" restart="never" nodeType="tmRoot"/>
+      </p:par>
+    </p:tnLst>
+  </p:timing>
 </p:sld>
 </file>
 
@@ -3274,7 +3292,11 @@
           <a:bodyPr/>
           <a:lstStyle/>
           <a:p>
-            <a:endParaRPr lang="ru-RU"/>
+            <a:r>
+              <a:rPr lang="ru-RU" dirty="0" smtClean="0"/>
+              <a:t>Умножение</a:t>
+            </a:r>
+            <a:endParaRPr lang="ru-RU" dirty="0"/>
           </a:p>
         </p:txBody>
       </p:sp>
@@ -3293,7 +3315,257 @@
           <a:bodyPr/>
           <a:lstStyle/>
           <a:p>
-            <a:endParaRPr lang="ru-RU"/>
+            <a:pPr marL="0" indent="0">
+              <a:buNone/>
+            </a:pPr>
+            <a:r>
+              <a:rPr lang="ru-RU" dirty="0"/>
+              <a:t>Умножение или декартово произведение является операцией, производимой над двумя отношениями, в результате которой мы получаем отношение со всеми доменами из двух начальных отношений. Кортежи в этих доменах будут представлять из себя все возможные сочетания кортежей из начальных отношений. </a:t>
+            </a:r>
+            <a:endParaRPr lang="ru-RU" dirty="0" smtClean="0"/>
+          </a:p>
+          <a:p>
+            <a:pPr marL="0" indent="0">
+              <a:buNone/>
+            </a:pPr>
+            <a:r>
+              <a:rPr lang="ru-RU" dirty="0" smtClean="0"/>
+              <a:t>На </a:t>
+            </a:r>
+            <a:r>
+              <a:rPr lang="ru-RU" dirty="0"/>
+              <a:t>примере будет понятнее</a:t>
+            </a:r>
+            <a:r>
+              <a:rPr lang="ru-RU" dirty="0" smtClean="0"/>
+              <a:t>.</a:t>
+            </a:r>
+          </a:p>
+        </p:txBody>
+      </p:sp>
+    </p:spTree>
+    <p:extLst>
+      <p:ext uri="{BB962C8B-B14F-4D97-AF65-F5344CB8AC3E}">
+        <p14:creationId xmlns:p14="http://schemas.microsoft.com/office/powerpoint/2010/main" val="3412863627"/>
+      </p:ext>
+    </p:extLst>
+  </p:cSld>
+  <p:clrMapOvr>
+    <a:masterClrMapping/>
+  </p:clrMapOvr>
+</p:sld>
+</file>
+
+<file path=ppt/slides/slide11.xml><?xml version="1.0" encoding="utf-8"?>
+<p:sld xmlns:a="http://schemas.openxmlformats.org/drawingml/2006/main" xmlns:r="http://schemas.openxmlformats.org/officeDocument/2006/relationships" xmlns:p="http://schemas.openxmlformats.org/presentationml/2006/main">
+  <p:cSld>
+    <p:spTree>
+      <p:nvGrpSpPr>
+        <p:cNvPr id="1" name=""/>
+        <p:cNvGrpSpPr/>
+        <p:nvPr/>
+      </p:nvGrpSpPr>
+      <p:grpSpPr>
+        <a:xfrm>
+          <a:off x="0" y="0"/>
+          <a:ext cx="0" cy="0"/>
+          <a:chOff x="0" y="0"/>
+          <a:chExt cx="0" cy="0"/>
+        </a:xfrm>
+      </p:grpSpPr>
+      <p:sp>
+        <p:nvSpPr>
+          <p:cNvPr id="2" name="Заголовок 1"/>
+          <p:cNvSpPr>
+            <a:spLocks noGrp="1"/>
+          </p:cNvSpPr>
+          <p:nvPr>
+            <p:ph type="title"/>
+          </p:nvPr>
+        </p:nvSpPr>
+        <p:spPr/>
+        <p:txBody>
+          <a:bodyPr/>
+          <a:lstStyle/>
+          <a:p>
+            <a:r>
+              <a:rPr lang="ru-RU" dirty="0" smtClean="0"/>
+              <a:t>Создаем новую таблицу</a:t>
+            </a:r>
+            <a:endParaRPr lang="ru-RU" dirty="0"/>
+          </a:p>
+        </p:txBody>
+      </p:sp>
+      <p:pic>
+        <p:nvPicPr>
+          <p:cNvPr id="4" name="Объект 3"/>
+          <p:cNvPicPr>
+            <a:picLocks noGrp="1" noChangeAspect="1"/>
+          </p:cNvPicPr>
+          <p:nvPr>
+            <p:ph idx="1"/>
+          </p:nvPr>
+        </p:nvPicPr>
+        <p:blipFill>
+          <a:blip r:embed="rId2"/>
+          <a:stretch>
+            <a:fillRect/>
+          </a:stretch>
+        </p:blipFill>
+        <p:spPr>
+          <a:xfrm>
+            <a:off x="2068103" y="2181726"/>
+            <a:ext cx="8055794" cy="3532814"/>
+          </a:xfrm>
+          <a:prstGeom prst="rect">
+            <a:avLst/>
+          </a:prstGeom>
+        </p:spPr>
+      </p:pic>
+    </p:spTree>
+    <p:extLst>
+      <p:ext uri="{BB962C8B-B14F-4D97-AF65-F5344CB8AC3E}">
+        <p14:creationId xmlns:p14="http://schemas.microsoft.com/office/powerpoint/2010/main" val="2465079848"/>
+      </p:ext>
+    </p:extLst>
+  </p:cSld>
+  <p:clrMapOvr>
+    <a:masterClrMapping/>
+  </p:clrMapOvr>
+</p:sld>
+</file>
+
+<file path=ppt/slides/slide12.xml><?xml version="1.0" encoding="utf-8"?>
+<p:sld xmlns:a="http://schemas.openxmlformats.org/drawingml/2006/main" xmlns:r="http://schemas.openxmlformats.org/officeDocument/2006/relationships" xmlns:p="http://schemas.openxmlformats.org/presentationml/2006/main">
+  <p:cSld>
+    <p:spTree>
+      <p:nvGrpSpPr>
+        <p:cNvPr id="1" name=""/>
+        <p:cNvGrpSpPr/>
+        <p:nvPr/>
+      </p:nvGrpSpPr>
+      <p:grpSpPr>
+        <a:xfrm>
+          <a:off x="0" y="0"/>
+          <a:ext cx="0" cy="0"/>
+          <a:chOff x="0" y="0"/>
+          <a:chExt cx="0" cy="0"/>
+        </a:xfrm>
+      </p:grpSpPr>
+      <p:sp>
+        <p:nvSpPr>
+          <p:cNvPr id="3" name="Объект 2"/>
+          <p:cNvSpPr>
+            <a:spLocks noGrp="1"/>
+          </p:cNvSpPr>
+          <p:nvPr>
+            <p:ph idx="1"/>
+          </p:nvPr>
+        </p:nvSpPr>
+        <p:spPr>
+          <a:xfrm>
+            <a:off x="838200" y="336884"/>
+            <a:ext cx="10515600" cy="2646948"/>
+          </a:xfrm>
+        </p:spPr>
+        <p:txBody>
+          <a:bodyPr>
+            <a:normAutofit fontScale="92500" lnSpcReduction="20000"/>
+          </a:bodyPr>
+          <a:lstStyle/>
+          <a:p>
+            <a:pPr marL="0" indent="0">
+              <a:buNone/>
+            </a:pPr>
+            <a:r>
+              <a:rPr lang="ru-RU" dirty="0"/>
+              <a:t>Получим декартово произведения таблиц PRODUCTS и SELLERS.</a:t>
+            </a:r>
+            <a:r>
+              <a:rPr lang="ru-RU" dirty="0"/>
+              <a:t/>
+            </a:r>
+            <a:br>
+              <a:rPr lang="ru-RU" dirty="0"/>
+            </a:br>
+            <a:endParaRPr lang="ru-RU" dirty="0" smtClean="0"/>
+          </a:p>
+          <a:p>
+            <a:pPr marL="0" indent="0">
+              <a:buNone/>
+            </a:pPr>
+            <a:r>
+              <a:rPr lang="ru-RU" dirty="0"/>
+              <a:t>Можно заметить, что у двух этих таблиц есть одинаковый домен ID. В подобной ситуации домены с одинаковыми названиями получают префикс в виде названия соответствующего отношения, как показано ниже.</a:t>
+            </a:r>
+            <a:r>
+              <a:rPr lang="ru-RU" dirty="0"/>
+              <a:t/>
+            </a:r>
+            <a:br>
+              <a:rPr lang="ru-RU" dirty="0"/>
+            </a:br>
+            <a:r>
+              <a:rPr lang="ru-RU" dirty="0"/>
+              <a:t/>
+            </a:r>
+            <a:br>
+              <a:rPr lang="ru-RU" dirty="0"/>
+            </a:br>
+            <a:endParaRPr lang="ru-RU" dirty="0"/>
+          </a:p>
+        </p:txBody>
+      </p:sp>
+      <p:pic>
+        <p:nvPicPr>
+          <p:cNvPr id="4" name="Рисунок 3"/>
+          <p:cNvPicPr>
+            <a:picLocks noChangeAspect="1"/>
+          </p:cNvPicPr>
+          <p:nvPr/>
+        </p:nvPicPr>
+        <p:blipFill>
+          <a:blip r:embed="rId2"/>
+          <a:stretch>
+            <a:fillRect/>
+          </a:stretch>
+        </p:blipFill>
+        <p:spPr>
+          <a:xfrm>
+            <a:off x="3971925" y="2267199"/>
+            <a:ext cx="7381875" cy="4063417"/>
+          </a:xfrm>
+          <a:prstGeom prst="rect">
+            <a:avLst/>
+          </a:prstGeom>
+        </p:spPr>
+      </p:pic>
+      <p:sp>
+        <p:nvSpPr>
+          <p:cNvPr id="5" name="TextBox 4"/>
+          <p:cNvSpPr txBox="1"/>
+          <p:nvPr/>
+        </p:nvSpPr>
+        <p:spPr>
+          <a:xfrm>
+            <a:off x="336885" y="5133474"/>
+            <a:ext cx="3384884" cy="923330"/>
+          </a:xfrm>
+          <a:prstGeom prst="rect">
+            <a:avLst/>
+          </a:prstGeom>
+          <a:noFill/>
+        </p:spPr>
+        <p:txBody>
+          <a:bodyPr wrap="square" rtlCol="0">
+            <a:spAutoFit/>
+          </a:bodyPr>
+          <a:lstStyle/>
+          <a:p>
+            <a:r>
+              <a:rPr lang="ru-RU" dirty="0"/>
+              <a:t>Для краткости перемножим не полные отношения, а выборки с условием ID&lt;235</a:t>
+            </a:r>
           </a:p>
         </p:txBody>
       </p:sp>
@@ -3301,6 +3573,427 @@
     <p:extLst>
       <p:ext uri="{BB962C8B-B14F-4D97-AF65-F5344CB8AC3E}">
         <p14:creationId xmlns:p14="http://schemas.microsoft.com/office/powerpoint/2010/main" val="1195071887"/>
+      </p:ext>
+    </p:extLst>
+  </p:cSld>
+  <p:clrMapOvr>
+    <a:masterClrMapping/>
+  </p:clrMapOvr>
+</p:sld>
+</file>
+
+<file path=ppt/slides/slide13.xml><?xml version="1.0" encoding="utf-8"?>
+<p:sld xmlns:a="http://schemas.openxmlformats.org/drawingml/2006/main" xmlns:r="http://schemas.openxmlformats.org/officeDocument/2006/relationships" xmlns:p="http://schemas.openxmlformats.org/presentationml/2006/main">
+  <p:cSld>
+    <p:spTree>
+      <p:nvGrpSpPr>
+        <p:cNvPr id="1" name=""/>
+        <p:cNvGrpSpPr/>
+        <p:nvPr/>
+      </p:nvGrpSpPr>
+      <p:grpSpPr>
+        <a:xfrm>
+          <a:off x="0" y="0"/>
+          <a:ext cx="0" cy="0"/>
+          <a:chOff x="0" y="0"/>
+          <a:chExt cx="0" cy="0"/>
+        </a:xfrm>
+      </p:grpSpPr>
+      <p:sp>
+        <p:nvSpPr>
+          <p:cNvPr id="2" name="Заголовок 1"/>
+          <p:cNvSpPr>
+            <a:spLocks noGrp="1"/>
+          </p:cNvSpPr>
+          <p:nvPr>
+            <p:ph type="title"/>
+          </p:nvPr>
+        </p:nvSpPr>
+        <p:spPr/>
+        <p:txBody>
+          <a:bodyPr/>
+          <a:lstStyle/>
+          <a:p>
+            <a:r>
+              <a:rPr lang="ru-RU" dirty="0"/>
+              <a:t>Соединение и естественное </a:t>
+            </a:r>
+            <a:r>
+              <a:rPr lang="ru-RU" dirty="0" smtClean="0"/>
+              <a:t>соединение</a:t>
+            </a:r>
+            <a:endParaRPr lang="ru-RU" dirty="0"/>
+          </a:p>
+        </p:txBody>
+      </p:sp>
+      <p:sp>
+        <p:nvSpPr>
+          <p:cNvPr id="3" name="Объект 2"/>
+          <p:cNvSpPr>
+            <a:spLocks noGrp="1"/>
+          </p:cNvSpPr>
+          <p:nvPr>
+            <p:ph idx="1"/>
+          </p:nvPr>
+        </p:nvSpPr>
+        <p:spPr>
+          <a:xfrm>
+            <a:off x="272716" y="1825625"/>
+            <a:ext cx="5101389" cy="4351338"/>
+          </a:xfrm>
+        </p:spPr>
+        <p:txBody>
+          <a:bodyPr>
+            <a:normAutofit fontScale="70000" lnSpcReduction="20000"/>
+          </a:bodyPr>
+          <a:lstStyle/>
+          <a:p>
+            <a:pPr marL="0" indent="0">
+              <a:buNone/>
+            </a:pPr>
+            <a:r>
+              <a:rPr lang="ru-RU" dirty="0"/>
+              <a:t>Операция соединения обратна операции проекции и создает новое отношение из двух уже существующих. Новое отношение получается конкатенацией кортежей первого и второго отношений, при этом конкатенации подвергаются отношения, в которых совпадают значения заданных атрибутов. В частности, если соединить отношения PRODUCTS и SELLERS, этими атрибутами будут атрибуты доменов ID.</a:t>
+            </a:r>
+            <a:r>
+              <a:rPr lang="ru-RU" dirty="0"/>
+              <a:t/>
+            </a:r>
+            <a:br>
+              <a:rPr lang="ru-RU" dirty="0"/>
+            </a:br>
+            <a:r>
+              <a:rPr lang="ru-RU" dirty="0"/>
+              <a:t/>
+            </a:r>
+            <a:br>
+              <a:rPr lang="ru-RU" dirty="0"/>
+            </a:br>
+            <a:r>
+              <a:rPr lang="ru-RU" dirty="0"/>
+              <a:t>Также для понятности можно представить </a:t>
+            </a:r>
+            <a:r>
+              <a:rPr lang="ru-RU" dirty="0" smtClean="0"/>
+              <a:t>соединение </a:t>
+            </a:r>
+            <a:r>
+              <a:rPr lang="ru-RU" dirty="0"/>
+              <a:t>как результат двух операций. Сначала берется произведение исходных таблиц, а потом из полученного отношения мы делаем выборку с условием равенства атрибутов из одинаковых доменов. В данном случае условием </a:t>
+            </a:r>
+            <a:r>
+              <a:rPr lang="ru-RU" dirty="0" smtClean="0"/>
+              <a:t>является </a:t>
+            </a:r>
+            <a:r>
+              <a:rPr lang="ru-RU" dirty="0"/>
+              <a:t>равенство PRODUCTS.ID и SELLERS.ID.</a:t>
+            </a:r>
+            <a:endParaRPr lang="ru-RU" dirty="0"/>
+          </a:p>
+        </p:txBody>
+      </p:sp>
+      <p:pic>
+        <p:nvPicPr>
+          <p:cNvPr id="4" name="Рисунок 3"/>
+          <p:cNvPicPr>
+            <a:picLocks noChangeAspect="1"/>
+          </p:cNvPicPr>
+          <p:nvPr/>
+        </p:nvPicPr>
+        <p:blipFill>
+          <a:blip r:embed="rId2"/>
+          <a:stretch>
+            <a:fillRect/>
+          </a:stretch>
+        </p:blipFill>
+        <p:spPr>
+          <a:xfrm>
+            <a:off x="5526004" y="2092283"/>
+            <a:ext cx="6305550" cy="3248025"/>
+          </a:xfrm>
+          <a:prstGeom prst="rect">
+            <a:avLst/>
+          </a:prstGeom>
+        </p:spPr>
+      </p:pic>
+    </p:spTree>
+    <p:extLst>
+      <p:ext uri="{BB962C8B-B14F-4D97-AF65-F5344CB8AC3E}">
+        <p14:creationId xmlns:p14="http://schemas.microsoft.com/office/powerpoint/2010/main" val="2975791433"/>
+      </p:ext>
+    </p:extLst>
+  </p:cSld>
+  <p:clrMapOvr>
+    <a:masterClrMapping/>
+  </p:clrMapOvr>
+</p:sld>
+</file>
+
+<file path=ppt/slides/slide14.xml><?xml version="1.0" encoding="utf-8"?>
+<p:sld xmlns:a="http://schemas.openxmlformats.org/drawingml/2006/main" xmlns:r="http://schemas.openxmlformats.org/officeDocument/2006/relationships" xmlns:p="http://schemas.openxmlformats.org/presentationml/2006/main">
+  <p:cSld>
+    <p:spTree>
+      <p:nvGrpSpPr>
+        <p:cNvPr id="1" name=""/>
+        <p:cNvGrpSpPr/>
+        <p:nvPr/>
+      </p:nvGrpSpPr>
+      <p:grpSpPr>
+        <a:xfrm>
+          <a:off x="0" y="0"/>
+          <a:ext cx="0" cy="0"/>
+          <a:chOff x="0" y="0"/>
+          <a:chExt cx="0" cy="0"/>
+        </a:xfrm>
+      </p:grpSpPr>
+      <p:sp>
+        <p:nvSpPr>
+          <p:cNvPr id="3" name="Объект 2"/>
+          <p:cNvSpPr>
+            <a:spLocks noGrp="1"/>
+          </p:cNvSpPr>
+          <p:nvPr>
+            <p:ph idx="1"/>
+          </p:nvPr>
+        </p:nvSpPr>
+        <p:spPr>
+          <a:xfrm>
+            <a:off x="838200" y="625643"/>
+            <a:ext cx="10515600" cy="2534652"/>
+          </a:xfrm>
+        </p:spPr>
+        <p:txBody>
+          <a:bodyPr/>
+          <a:lstStyle/>
+          <a:p>
+            <a:pPr marL="0" indent="0">
+              <a:buNone/>
+            </a:pPr>
+            <a:r>
+              <a:rPr lang="ru-RU" dirty="0"/>
+              <a:t>Натуральное соединение получает схожее отношение, но в случае, если у нас корректно настроена схема в базе ( в данном случае первичный ключ таблицы PRODUCTS ID связан с внешним </a:t>
+            </a:r>
+            <a:r>
+              <a:rPr lang="ru-RU" dirty="0" err="1"/>
+              <a:t>ключем</a:t>
+            </a:r>
+            <a:r>
+              <a:rPr lang="ru-RU" dirty="0"/>
+              <a:t> таблицы SELLERS ID), то в результирующем отношении остается один домен ID.</a:t>
+            </a:r>
+            <a:endParaRPr lang="ru-RU" dirty="0"/>
+          </a:p>
+        </p:txBody>
+      </p:sp>
+      <p:pic>
+        <p:nvPicPr>
+          <p:cNvPr id="4" name="Рисунок 3"/>
+          <p:cNvPicPr>
+            <a:picLocks noChangeAspect="1"/>
+          </p:cNvPicPr>
+          <p:nvPr/>
+        </p:nvPicPr>
+        <p:blipFill>
+          <a:blip r:embed="rId2"/>
+          <a:stretch>
+            <a:fillRect/>
+          </a:stretch>
+        </p:blipFill>
+        <p:spPr>
+          <a:xfrm>
+            <a:off x="2660183" y="3160295"/>
+            <a:ext cx="6871633" cy="3018088"/>
+          </a:xfrm>
+          <a:prstGeom prst="rect">
+            <a:avLst/>
+          </a:prstGeom>
+        </p:spPr>
+      </p:pic>
+    </p:spTree>
+    <p:extLst>
+      <p:ext uri="{BB962C8B-B14F-4D97-AF65-F5344CB8AC3E}">
+        <p14:creationId xmlns:p14="http://schemas.microsoft.com/office/powerpoint/2010/main" val="1859071908"/>
+      </p:ext>
+    </p:extLst>
+  </p:cSld>
+  <p:clrMapOvr>
+    <a:masterClrMapping/>
+  </p:clrMapOvr>
+</p:sld>
+</file>
+
+<file path=ppt/slides/slide15.xml><?xml version="1.0" encoding="utf-8"?>
+<p:sld xmlns:a="http://schemas.openxmlformats.org/drawingml/2006/main" xmlns:r="http://schemas.openxmlformats.org/officeDocument/2006/relationships" xmlns:p="http://schemas.openxmlformats.org/presentationml/2006/main">
+  <p:cSld>
+    <p:spTree>
+      <p:nvGrpSpPr>
+        <p:cNvPr id="1" name=""/>
+        <p:cNvGrpSpPr/>
+        <p:nvPr/>
+      </p:nvGrpSpPr>
+      <p:grpSpPr>
+        <a:xfrm>
+          <a:off x="0" y="0"/>
+          <a:ext cx="0" cy="0"/>
+          <a:chOff x="0" y="0"/>
+          <a:chExt cx="0" cy="0"/>
+        </a:xfrm>
+      </p:grpSpPr>
+      <p:sp>
+        <p:nvSpPr>
+          <p:cNvPr id="2" name="Заголовок 1"/>
+          <p:cNvSpPr>
+            <a:spLocks noGrp="1"/>
+          </p:cNvSpPr>
+          <p:nvPr>
+            <p:ph type="title"/>
+          </p:nvPr>
+        </p:nvSpPr>
+        <p:spPr/>
+        <p:txBody>
+          <a:bodyPr/>
+          <a:lstStyle/>
+          <a:p>
+            <a:r>
+              <a:rPr lang="ru-RU" dirty="0"/>
+              <a:t>Пересечение и вычитание</a:t>
+            </a:r>
+            <a:r>
+              <a:rPr lang="ru-RU" dirty="0" smtClean="0"/>
+              <a:t>.</a:t>
+            </a:r>
+            <a:endParaRPr lang="ru-RU" dirty="0"/>
+          </a:p>
+        </p:txBody>
+      </p:sp>
+      <p:sp>
+        <p:nvSpPr>
+          <p:cNvPr id="3" name="Объект 2"/>
+          <p:cNvSpPr>
+            <a:spLocks noGrp="1"/>
+          </p:cNvSpPr>
+          <p:nvPr>
+            <p:ph idx="1"/>
+          </p:nvPr>
+        </p:nvSpPr>
+        <p:spPr/>
+        <p:txBody>
+          <a:bodyPr/>
+          <a:lstStyle/>
+          <a:p>
+            <a:pPr marL="0" indent="0">
+              <a:buNone/>
+            </a:pPr>
+            <a:r>
+              <a:rPr lang="ru-RU" dirty="0"/>
+              <a:t>Результатом операции пересечения будет отношение, состоящее из кортежей, полностью входящих в состав обоих отношений. </a:t>
+            </a:r>
+            <a:endParaRPr lang="ru-RU" dirty="0" smtClean="0"/>
+          </a:p>
+          <a:p>
+            <a:pPr marL="0" indent="0">
+              <a:buNone/>
+            </a:pPr>
+            <a:r>
+              <a:rPr lang="ru-RU" dirty="0"/>
+              <a:t/>
+            </a:r>
+            <a:br>
+              <a:rPr lang="ru-RU" dirty="0"/>
+            </a:br>
+            <a:r>
+              <a:rPr lang="ru-RU" dirty="0"/>
+              <a:t>Результатом вычитания будет отношение, состоящее из кортежей, которые являются кортежами первого отношения и не являются кортежами второго отношения.</a:t>
+            </a:r>
+            <a:r>
+              <a:rPr lang="ru-RU" dirty="0"/>
+              <a:t/>
+            </a:r>
+            <a:br>
+              <a:rPr lang="ru-RU" dirty="0"/>
+            </a:br>
+            <a:endParaRPr lang="ru-RU" dirty="0" smtClean="0"/>
+          </a:p>
+          <a:p>
+            <a:pPr marL="0" indent="0">
+              <a:buNone/>
+            </a:pPr>
+            <a:r>
+              <a:rPr lang="ru-RU" dirty="0" smtClean="0"/>
+              <a:t>Данные </a:t>
+            </a:r>
+            <a:r>
+              <a:rPr lang="ru-RU" dirty="0"/>
+              <a:t>операции аналогичны таким же операциям над множествам, так что, я думаю, нет необходимости подробно их расписывать.</a:t>
+            </a:r>
+            <a:endParaRPr lang="ru-RU" dirty="0"/>
+          </a:p>
+        </p:txBody>
+      </p:sp>
+    </p:spTree>
+    <p:extLst>
+      <p:ext uri="{BB962C8B-B14F-4D97-AF65-F5344CB8AC3E}">
+        <p14:creationId xmlns:p14="http://schemas.microsoft.com/office/powerpoint/2010/main" val="1194450924"/>
+      </p:ext>
+    </p:extLst>
+  </p:cSld>
+  <p:clrMapOvr>
+    <a:masterClrMapping/>
+  </p:clrMapOvr>
+</p:sld>
+</file>
+
+<file path=ppt/slides/slide16.xml><?xml version="1.0" encoding="utf-8"?>
+<p:sld xmlns:a="http://schemas.openxmlformats.org/drawingml/2006/main" xmlns:r="http://schemas.openxmlformats.org/officeDocument/2006/relationships" xmlns:p="http://schemas.openxmlformats.org/presentationml/2006/main">
+  <p:cSld>
+    <p:spTree>
+      <p:nvGrpSpPr>
+        <p:cNvPr id="1" name=""/>
+        <p:cNvGrpSpPr/>
+        <p:nvPr/>
+      </p:nvGrpSpPr>
+      <p:grpSpPr>
+        <a:xfrm>
+          <a:off x="0" y="0"/>
+          <a:ext cx="0" cy="0"/>
+          <a:chOff x="0" y="0"/>
+          <a:chExt cx="0" cy="0"/>
+        </a:xfrm>
+      </p:grpSpPr>
+      <p:sp>
+        <p:nvSpPr>
+          <p:cNvPr id="2" name="Заголовок 1"/>
+          <p:cNvSpPr>
+            <a:spLocks noGrp="1"/>
+          </p:cNvSpPr>
+          <p:nvPr>
+            <p:ph type="title"/>
+          </p:nvPr>
+        </p:nvSpPr>
+        <p:spPr>
+          <a:xfrm>
+            <a:off x="870285" y="2562894"/>
+            <a:ext cx="10515600" cy="1325563"/>
+          </a:xfrm>
+        </p:spPr>
+        <p:txBody>
+          <a:bodyPr/>
+          <a:lstStyle/>
+          <a:p>
+            <a:pPr algn="ctr"/>
+            <a:r>
+              <a:rPr lang="ru-RU" dirty="0" smtClean="0"/>
+              <a:t>Спасибо за внимание</a:t>
+            </a:r>
+            <a:endParaRPr lang="ru-RU" dirty="0"/>
+          </a:p>
+        </p:txBody>
+      </p:sp>
+    </p:spTree>
+    <p:extLst>
+      <p:ext uri="{BB962C8B-B14F-4D97-AF65-F5344CB8AC3E}">
+        <p14:creationId xmlns:p14="http://schemas.microsoft.com/office/powerpoint/2010/main" val="3426155848"/>
       </p:ext>
     </p:extLst>
   </p:cSld>
@@ -3429,6 +4122,13 @@
   <p:clrMapOvr>
     <a:masterClrMapping/>
   </p:clrMapOvr>
+  <p:timing>
+    <p:tnLst>
+      <p:par>
+        <p:cTn id="1" dur="indefinite" restart="never" nodeType="tmRoot"/>
+      </p:par>
+    </p:tnLst>
+  </p:timing>
 </p:sld>
 </file>
 
@@ -3591,6 +4291,13 @@
   <p:clrMapOvr>
     <a:masterClrMapping/>
   </p:clrMapOvr>
+  <p:timing>
+    <p:tnLst>
+      <p:par>
+        <p:cTn id="1" dur="indefinite" restart="never" nodeType="tmRoot"/>
+      </p:par>
+    </p:tnLst>
+  </p:timing>
 </p:sld>
 </file>
 
@@ -3645,10 +4352,25 @@
         </p:nvSpPr>
         <p:spPr/>
         <p:txBody>
-          <a:bodyPr/>
-          <a:lstStyle/>
-          <a:p>
-            <a:endParaRPr lang="ru-RU"/>
+          <a:bodyPr>
+            <a:normAutofit/>
+          </a:bodyPr>
+          <a:lstStyle/>
+          <a:p>
+            <a:pPr marL="0" indent="0">
+              <a:buNone/>
+            </a:pPr>
+            <a:r>
+              <a:rPr lang="ru-RU" sz="2000" dirty="0"/>
+              <a:t>В отношении требованием является то, что все кортежи должны различаться. Для однозначной идентификации кортежа существует первичный ключ. Первичный ключ это атрибут или набор из минимального числа атрибутов, который однозначно идентифицирует конкретный кортеж и не содержит дополнительных атрибутов.</a:t>
+            </a:r>
+            <a:br>
+              <a:rPr lang="ru-RU" sz="2000" dirty="0"/>
+            </a:br>
+            <a:r>
+              <a:rPr lang="ru-RU" sz="2000" dirty="0"/>
+              <a:t>Подразумевается, что все атрибуты в первичном ключе должны быть необходимыми и достаточными для идентификации конкретного кортежа, и исключение любого из атрибутов в ключе сделает его недостаточным для идентификации.  </a:t>
+            </a:r>
           </a:p>
         </p:txBody>
       </p:sp>
@@ -3662,6 +4384,13 @@
   <p:clrMapOvr>
     <a:masterClrMapping/>
   </p:clrMapOvr>
+  <p:timing>
+    <p:tnLst>
+      <p:par>
+        <p:cTn id="1" dur="indefinite" restart="never" nodeType="tmRoot"/>
+      </p:par>
+    </p:tnLst>
+  </p:timing>
 </p:sld>
 </file>
 
@@ -3698,17 +4427,37 @@
           <a:lstStyle/>
           <a:p>
             <a:r>
-              <a:rPr lang="ru-RU" dirty="0"/>
-              <a:t>Операции реляционной </a:t>
-            </a:r>
-            <a:r>
               <a:rPr lang="ru-RU" dirty="0" smtClean="0"/>
-              <a:t>алгебры</a:t>
+              <a:t>Пример</a:t>
             </a:r>
             <a:endParaRPr lang="ru-RU" dirty="0"/>
           </a:p>
         </p:txBody>
       </p:sp>
+      <p:pic>
+        <p:nvPicPr>
+          <p:cNvPr id="6" name="Объект 3"/>
+          <p:cNvPicPr>
+            <a:picLocks noChangeAspect="1"/>
+          </p:cNvPicPr>
+          <p:nvPr/>
+        </p:nvPicPr>
+        <p:blipFill>
+          <a:blip r:embed="rId2"/>
+          <a:stretch>
+            <a:fillRect/>
+          </a:stretch>
+        </p:blipFill>
+        <p:spPr>
+          <a:xfrm>
+            <a:off x="453190" y="2486547"/>
+            <a:ext cx="6276975" cy="2714625"/>
+          </a:xfrm>
+          <a:prstGeom prst="rect">
+            <a:avLst/>
+          </a:prstGeom>
+        </p:spPr>
+      </p:pic>
       <p:sp>
         <p:nvSpPr>
           <p:cNvPr id="3" name="Объект 2"/>
@@ -3719,10 +4468,18 @@
             <p:ph idx="1"/>
           </p:nvPr>
         </p:nvSpPr>
-        <p:spPr/>
+        <p:spPr>
+          <a:xfrm>
+            <a:off x="5390146" y="1645694"/>
+            <a:ext cx="6448927" cy="4351338"/>
+          </a:xfrm>
+          <a:solidFill>
+            <a:schemeClr val="bg1"/>
+          </a:solidFill>
+        </p:spPr>
         <p:txBody>
           <a:bodyPr>
-            <a:normAutofit fontScale="92500" lnSpcReduction="10000"/>
+            <a:normAutofit fontScale="77500" lnSpcReduction="20000"/>
           </a:bodyPr>
           <a:lstStyle/>
           <a:p>
@@ -3731,77 +4488,119 @@
             </a:pPr>
             <a:r>
               <a:rPr lang="ru-RU" dirty="0"/>
-              <a:t>Основные восемь операций реляционной алгебры были предложены </a:t>
-            </a:r>
-            <a:r>
-              <a:rPr lang="ru-RU" dirty="0" err="1" smtClean="0">
-                <a:hlinkClick r:id="rId2"/>
-              </a:rPr>
-              <a:t>Э.Коддом</a:t>
+              <a:t>Например, в такой таблице ключом будет сочетание атрибутов из первого и второго столбца. </a:t>
             </a:r>
             <a:endParaRPr lang="ru-RU" dirty="0" smtClean="0"/>
           </a:p>
           <a:p>
-            <a:r>
-              <a:rPr lang="ru-RU" dirty="0"/>
-              <a:t>Объединение</a:t>
-            </a:r>
-          </a:p>
-          <a:p>
-            <a:r>
-              <a:rPr lang="ru-RU" dirty="0"/>
-              <a:t>Пересечение</a:t>
-            </a:r>
-          </a:p>
-          <a:p>
-            <a:r>
-              <a:rPr lang="ru-RU" dirty="0"/>
-              <a:t>Вычитание</a:t>
-            </a:r>
-          </a:p>
-          <a:p>
-            <a:r>
-              <a:rPr lang="ru-RU" dirty="0"/>
-              <a:t>Декартово произведение</a:t>
-            </a:r>
-          </a:p>
-          <a:p>
-            <a:r>
-              <a:rPr lang="ru-RU" dirty="0"/>
-              <a:t>Выборка</a:t>
-            </a:r>
-          </a:p>
-          <a:p>
-            <a:r>
-              <a:rPr lang="ru-RU" dirty="0"/>
-              <a:t>Проекция</a:t>
-            </a:r>
-          </a:p>
-          <a:p>
-            <a:r>
-              <a:rPr lang="ru-RU" dirty="0"/>
-              <a:t>Соединение</a:t>
-            </a:r>
-          </a:p>
-          <a:p>
+            <a:pPr marL="0" indent="0">
+              <a:buNone/>
+            </a:pPr>
             <a:r>
               <a:rPr lang="ru-RU" dirty="0" smtClean="0"/>
-              <a:t>Деление</a:t>
-            </a:r>
-            <a:endParaRPr lang="ru-RU" dirty="0"/>
+              <a:t>Видно</a:t>
+            </a:r>
+            <a:r>
+              <a:rPr lang="ru-RU" dirty="0"/>
+              <a:t>, что в организации может быть несколько водителей, и чтобы однозначно идентифицировать водителя необходимо и значение из столбца “Название организации” и из “Имя водителя”. Такой ключ называется составным.</a:t>
+            </a:r>
+            <a:br>
+              <a:rPr lang="ru-RU" dirty="0"/>
+            </a:br>
+            <a:r>
+              <a:rPr lang="ru-RU" dirty="0"/>
+              <a:t/>
+            </a:r>
+            <a:br>
+              <a:rPr lang="ru-RU" dirty="0"/>
+            </a:br>
+            <a:r>
+              <a:rPr lang="ru-RU" dirty="0"/>
+              <a:t>В реляционной БД таблицы взаимосвязаны и соотносятся друг с другом как главные и подчиненные. Связь главной и </a:t>
+            </a:r>
+            <a:r>
+              <a:rPr lang="ru-RU" dirty="0" smtClean="0"/>
+              <a:t>подчинённой </a:t>
+            </a:r>
+            <a:r>
+              <a:rPr lang="ru-RU" dirty="0"/>
+              <a:t>таблицы осуществляется через первичный ключ (</a:t>
+            </a:r>
+            <a:r>
+              <a:rPr lang="ru-RU" dirty="0" err="1"/>
+              <a:t>primary</a:t>
+            </a:r>
+            <a:r>
+              <a:rPr lang="ru-RU" dirty="0"/>
+              <a:t> </a:t>
+            </a:r>
+            <a:r>
+              <a:rPr lang="ru-RU" dirty="0" err="1"/>
+              <a:t>key</a:t>
+            </a:r>
+            <a:r>
+              <a:rPr lang="ru-RU" dirty="0"/>
+              <a:t>) главной таблицы и внешний </a:t>
+            </a:r>
+            <a:r>
+              <a:rPr lang="ru-RU" dirty="0" smtClean="0"/>
+              <a:t>ключ (</a:t>
+            </a:r>
+            <a:r>
+              <a:rPr lang="ru-RU" dirty="0" err="1" smtClean="0"/>
+              <a:t>foreign</a:t>
+            </a:r>
+            <a:r>
+              <a:rPr lang="ru-RU" dirty="0" smtClean="0"/>
+              <a:t> </a:t>
+            </a:r>
+            <a:r>
+              <a:rPr lang="ru-RU" dirty="0" err="1" smtClean="0"/>
+              <a:t>key</a:t>
+            </a:r>
+            <a:r>
+              <a:rPr lang="ru-RU" dirty="0" smtClean="0"/>
+              <a:t>) </a:t>
+            </a:r>
+            <a:r>
+              <a:rPr lang="ru-RU" dirty="0"/>
+              <a:t>подчиненной таблицы.</a:t>
+            </a:r>
+            <a:br>
+              <a:rPr lang="ru-RU" dirty="0"/>
+            </a:br>
+            <a:r>
+              <a:rPr lang="ru-RU" dirty="0"/>
+              <a:t>Внешний ключ это атрибут или набор атрибутов, который в главной таблице является первичным </a:t>
+            </a:r>
+            <a:r>
+              <a:rPr lang="ru-RU" dirty="0" err="1"/>
+              <a:t>ключем</a:t>
+            </a:r>
+            <a:r>
+              <a:rPr lang="ru-RU" dirty="0"/>
+              <a:t>.</a:t>
+            </a:r>
           </a:p>
         </p:txBody>
       </p:sp>
     </p:spTree>
     <p:extLst>
       <p:ext uri="{BB962C8B-B14F-4D97-AF65-F5344CB8AC3E}">
-        <p14:creationId xmlns:p14="http://schemas.microsoft.com/office/powerpoint/2010/main" val="818603017"/>
+        <p14:creationId xmlns:p14="http://schemas.microsoft.com/office/powerpoint/2010/main" val="4201897197"/>
       </p:ext>
     </p:extLst>
   </p:cSld>
   <p:clrMapOvr>
     <a:masterClrMapping/>
   </p:clrMapOvr>
+  <p:timing>
+    <p:tnLst>
+      <p:par>
+        <p:cTn id="1" dur="indefinite" restart="never" nodeType="tmRoot"/>
+      </p:par>
+    </p:tnLst>
+  </p:timing>
 </p:sld>
 </file>
 
@@ -3837,7 +4636,15 @@
           <a:bodyPr/>
           <a:lstStyle/>
           <a:p>
-            <a:endParaRPr lang="ru-RU"/>
+            <a:r>
+              <a:rPr lang="ru-RU" dirty="0"/>
+              <a:t>Операции реляционной </a:t>
+            </a:r>
+            <a:r>
+              <a:rPr lang="ru-RU" dirty="0" smtClean="0"/>
+              <a:t>алгебры</a:t>
+            </a:r>
+            <a:endParaRPr lang="ru-RU" dirty="0"/>
           </a:p>
         </p:txBody>
       </p:sp>
@@ -3853,23 +4660,94 @@
         </p:nvSpPr>
         <p:spPr/>
         <p:txBody>
-          <a:bodyPr/>
-          <a:lstStyle/>
-          <a:p>
-            <a:endParaRPr lang="ru-RU"/>
+          <a:bodyPr>
+            <a:normAutofit fontScale="92500" lnSpcReduction="10000"/>
+          </a:bodyPr>
+          <a:lstStyle/>
+          <a:p>
+            <a:pPr marL="0" indent="0">
+              <a:buNone/>
+            </a:pPr>
+            <a:r>
+              <a:rPr lang="ru-RU" dirty="0"/>
+              <a:t>Основные восемь операций реляционной алгебры были предложены </a:t>
+            </a:r>
+            <a:r>
+              <a:rPr lang="ru-RU" dirty="0" err="1" smtClean="0">
+                <a:hlinkClick r:id="rId2"/>
+              </a:rPr>
+              <a:t>Э.Коддом</a:t>
+            </a:r>
+            <a:endParaRPr lang="ru-RU" dirty="0" smtClean="0"/>
+          </a:p>
+          <a:p>
+            <a:r>
+              <a:rPr lang="ru-RU" dirty="0"/>
+              <a:t>Объединение</a:t>
+            </a:r>
+          </a:p>
+          <a:p>
+            <a:r>
+              <a:rPr lang="ru-RU" dirty="0"/>
+              <a:t>Пересечение</a:t>
+            </a:r>
+          </a:p>
+          <a:p>
+            <a:r>
+              <a:rPr lang="ru-RU" dirty="0"/>
+              <a:t>Вычитание</a:t>
+            </a:r>
+          </a:p>
+          <a:p>
+            <a:r>
+              <a:rPr lang="ru-RU" dirty="0"/>
+              <a:t>Декартово произведение</a:t>
+            </a:r>
+          </a:p>
+          <a:p>
+            <a:r>
+              <a:rPr lang="ru-RU" dirty="0"/>
+              <a:t>Выборка</a:t>
+            </a:r>
+          </a:p>
+          <a:p>
+            <a:r>
+              <a:rPr lang="ru-RU" dirty="0"/>
+              <a:t>Проекция</a:t>
+            </a:r>
+          </a:p>
+          <a:p>
+            <a:r>
+              <a:rPr lang="ru-RU" dirty="0"/>
+              <a:t>Соединение</a:t>
+            </a:r>
+          </a:p>
+          <a:p>
+            <a:r>
+              <a:rPr lang="ru-RU" dirty="0" smtClean="0"/>
+              <a:t>Деление</a:t>
+            </a:r>
+            <a:endParaRPr lang="ru-RU" dirty="0"/>
           </a:p>
         </p:txBody>
       </p:sp>
     </p:spTree>
     <p:extLst>
       <p:ext uri="{BB962C8B-B14F-4D97-AF65-F5344CB8AC3E}">
-        <p14:creationId xmlns:p14="http://schemas.microsoft.com/office/powerpoint/2010/main" val="452599341"/>
+        <p14:creationId xmlns:p14="http://schemas.microsoft.com/office/powerpoint/2010/main" val="818603017"/>
       </p:ext>
     </p:extLst>
   </p:cSld>
   <p:clrMapOvr>
     <a:masterClrMapping/>
   </p:clrMapOvr>
+  <p:timing>
+    <p:tnLst>
+      <p:par>
+        <p:cTn id="1" dur="indefinite" restart="never" nodeType="tmRoot"/>
+      </p:par>
+    </p:tnLst>
+  </p:timing>
 </p:sld>
 </file>
 
@@ -3905,33 +4783,44 @@
           <a:bodyPr/>
           <a:lstStyle/>
           <a:p>
-            <a:endParaRPr lang="ru-RU"/>
-          </a:p>
-        </p:txBody>
-      </p:sp>
-      <p:sp>
-        <p:nvSpPr>
-          <p:cNvPr id="3" name="Объект 2"/>
-          <p:cNvSpPr>
-            <a:spLocks noGrp="1"/>
-          </p:cNvSpPr>
+            <a:r>
+              <a:rPr lang="ru-RU" dirty="0" smtClean="0"/>
+              <a:t>Вспоминаем недавнюю таблицу</a:t>
+            </a:r>
+            <a:endParaRPr lang="ru-RU" dirty="0"/>
+          </a:p>
+        </p:txBody>
+      </p:sp>
+      <p:pic>
+        <p:nvPicPr>
+          <p:cNvPr id="4" name="Объект 3"/>
+          <p:cNvPicPr>
+            <a:picLocks noGrp="1" noChangeAspect="1"/>
+          </p:cNvPicPr>
           <p:nvPr>
             <p:ph idx="1"/>
           </p:nvPr>
-        </p:nvSpPr>
-        <p:spPr/>
-        <p:txBody>
-          <a:bodyPr/>
-          <a:lstStyle/>
-          <a:p>
-            <a:endParaRPr lang="ru-RU"/>
-          </a:p>
-        </p:txBody>
-      </p:sp>
+        </p:nvPicPr>
+        <p:blipFill>
+          <a:blip r:embed="rId2"/>
+          <a:stretch>
+            <a:fillRect/>
+          </a:stretch>
+        </p:blipFill>
+        <p:spPr>
+          <a:xfrm>
+            <a:off x="1120806" y="1995487"/>
+            <a:ext cx="9950387" cy="3908007"/>
+          </a:xfrm>
+          <a:prstGeom prst="rect">
+            <a:avLst/>
+          </a:prstGeom>
+        </p:spPr>
+      </p:pic>
     </p:spTree>
     <p:extLst>
       <p:ext uri="{BB962C8B-B14F-4D97-AF65-F5344CB8AC3E}">
-        <p14:creationId xmlns:p14="http://schemas.microsoft.com/office/powerpoint/2010/main" val="2863738251"/>
+        <p14:creationId xmlns:p14="http://schemas.microsoft.com/office/powerpoint/2010/main" val="2386103615"/>
       </p:ext>
     </p:extLst>
   </p:cSld>
@@ -3973,7 +4862,11 @@
           <a:bodyPr/>
           <a:lstStyle/>
           <a:p>
-            <a:endParaRPr lang="ru-RU"/>
+            <a:r>
+              <a:rPr lang="ru-RU" dirty="0" smtClean="0"/>
+              <a:t>Проекция</a:t>
+            </a:r>
+            <a:endParaRPr lang="ru-RU" dirty="0"/>
           </a:p>
         </p:txBody>
       </p:sp>
@@ -3987,19 +4880,77 @@
             <p:ph idx="1"/>
           </p:nvPr>
         </p:nvSpPr>
-        <p:spPr/>
-        <p:txBody>
-          <a:bodyPr/>
-          <a:lstStyle/>
-          <a:p>
-            <a:endParaRPr lang="ru-RU"/>
-          </a:p>
-        </p:txBody>
-      </p:sp>
+        <p:spPr>
+          <a:xfrm>
+            <a:off x="838200" y="1411705"/>
+            <a:ext cx="10515600" cy="2452270"/>
+          </a:xfrm>
+        </p:spPr>
+        <p:txBody>
+          <a:bodyPr>
+            <a:normAutofit fontScale="85000" lnSpcReduction="20000"/>
+          </a:bodyPr>
+          <a:lstStyle/>
+          <a:p>
+            <a:pPr marL="0" indent="0">
+              <a:buNone/>
+            </a:pPr>
+            <a:r>
+              <a:rPr lang="ru-RU" dirty="0"/>
+              <a:t>Проекция является операцией, при которой из отношения выделяются атрибуты только из указанных доменов, то есть из таблицы выбираются только нужные столбцы, при этом, если получится несколько одинаковых кортежей, то в результирующем отношении остается только по одному экземпляру подобного кортежа</a:t>
+            </a:r>
+            <a:r>
+              <a:rPr lang="ru-RU" dirty="0" smtClean="0"/>
+              <a:t>.</a:t>
+            </a:r>
+          </a:p>
+          <a:p>
+            <a:pPr marL="0" indent="0">
+              <a:buNone/>
+            </a:pPr>
+            <a:r>
+              <a:rPr lang="ru-RU" dirty="0"/>
+              <a:t/>
+            </a:r>
+            <a:br>
+              <a:rPr lang="ru-RU" dirty="0"/>
+            </a:br>
+            <a:r>
+              <a:rPr lang="ru-RU" dirty="0"/>
+              <a:t>Для примера сделаем проекцию на таблице PRODUCTS выбрав из нее ID и PRICE.</a:t>
+            </a:r>
+            <a:endParaRPr lang="ru-RU" dirty="0"/>
+          </a:p>
+        </p:txBody>
+      </p:sp>
+      <p:pic>
+        <p:nvPicPr>
+          <p:cNvPr id="4" name="Рисунок 3"/>
+          <p:cNvPicPr>
+            <a:picLocks noChangeAspect="1"/>
+          </p:cNvPicPr>
+          <p:nvPr/>
+        </p:nvPicPr>
+        <p:blipFill>
+          <a:blip r:embed="rId2"/>
+          <a:stretch>
+            <a:fillRect/>
+          </a:stretch>
+        </p:blipFill>
+        <p:spPr>
+          <a:xfrm>
+            <a:off x="2952750" y="3863975"/>
+            <a:ext cx="6286500" cy="2447925"/>
+          </a:xfrm>
+          <a:prstGeom prst="rect">
+            <a:avLst/>
+          </a:prstGeom>
+        </p:spPr>
+      </p:pic>
     </p:spTree>
     <p:extLst>
       <p:ext uri="{BB962C8B-B14F-4D97-AF65-F5344CB8AC3E}">
-        <p14:creationId xmlns:p14="http://schemas.microsoft.com/office/powerpoint/2010/main" val="810074207"/>
+        <p14:creationId xmlns:p14="http://schemas.microsoft.com/office/powerpoint/2010/main" val="2863738251"/>
       </p:ext>
     </p:extLst>
   </p:cSld>
@@ -4041,7 +4992,11 @@
           <a:bodyPr/>
           <a:lstStyle/>
           <a:p>
-            <a:endParaRPr lang="ru-RU"/>
+            <a:r>
+              <a:rPr lang="ru-RU" dirty="0" smtClean="0"/>
+              <a:t>Выборка</a:t>
+            </a:r>
+            <a:endParaRPr lang="ru-RU" dirty="0"/>
           </a:p>
         </p:txBody>
       </p:sp>
@@ -4055,19 +5010,148 @@
             <p:ph idx="1"/>
           </p:nvPr>
         </p:nvSpPr>
-        <p:spPr/>
-        <p:txBody>
-          <a:bodyPr/>
-          <a:lstStyle/>
-          <a:p>
-            <a:endParaRPr lang="ru-RU"/>
+        <p:spPr>
+          <a:xfrm>
+            <a:off x="838200" y="1825625"/>
+            <a:ext cx="10515600" cy="1651794"/>
+          </a:xfrm>
+        </p:spPr>
+        <p:txBody>
+          <a:bodyPr/>
+          <a:lstStyle/>
+          <a:p>
+            <a:pPr marL="0" indent="0">
+              <a:buNone/>
+            </a:pPr>
+            <a:r>
+              <a:rPr lang="ru-RU" dirty="0"/>
+              <a:t>Выборка — это операция, которая выделяет множество строк в таблице, удовлетворяющих заданным условиям. Условием может быть любое логическое выражение. </a:t>
+            </a:r>
+            <a:endParaRPr lang="ru-RU" dirty="0"/>
+          </a:p>
+        </p:txBody>
+      </p:sp>
+      <p:pic>
+        <p:nvPicPr>
+          <p:cNvPr id="4" name="Рисунок 3"/>
+          <p:cNvPicPr>
+            <a:picLocks noChangeAspect="1"/>
+          </p:cNvPicPr>
+          <p:nvPr/>
+        </p:nvPicPr>
+        <p:blipFill>
+          <a:blip r:embed="rId2"/>
+          <a:stretch>
+            <a:fillRect/>
+          </a:stretch>
+        </p:blipFill>
+        <p:spPr>
+          <a:xfrm>
+            <a:off x="426369" y="3477419"/>
+            <a:ext cx="6412831" cy="1676400"/>
+          </a:xfrm>
+          <a:prstGeom prst="rect">
+            <a:avLst/>
+          </a:prstGeom>
+        </p:spPr>
+      </p:pic>
+      <p:pic>
+        <p:nvPicPr>
+          <p:cNvPr id="5" name="Рисунок 4"/>
+          <p:cNvPicPr>
+            <a:picLocks noChangeAspect="1"/>
+          </p:cNvPicPr>
+          <p:nvPr/>
+        </p:nvPicPr>
+        <p:blipFill>
+          <a:blip r:embed="rId3"/>
+          <a:stretch>
+            <a:fillRect/>
+          </a:stretch>
+        </p:blipFill>
+        <p:spPr>
+          <a:xfrm>
+            <a:off x="5678906" y="5153819"/>
+            <a:ext cx="6229350" cy="1362075"/>
+          </a:xfrm>
+          <a:prstGeom prst="rect">
+            <a:avLst/>
+          </a:prstGeom>
+        </p:spPr>
+      </p:pic>
+      <p:sp>
+        <p:nvSpPr>
+          <p:cNvPr id="6" name="TextBox 5"/>
+          <p:cNvSpPr txBox="1"/>
+          <p:nvPr/>
+        </p:nvSpPr>
+        <p:spPr>
+          <a:xfrm>
+            <a:off x="6839200" y="3612356"/>
+            <a:ext cx="4518359" cy="923330"/>
+          </a:xfrm>
+          <a:prstGeom prst="rect">
+            <a:avLst/>
+          </a:prstGeom>
+          <a:noFill/>
+        </p:spPr>
+        <p:txBody>
+          <a:bodyPr wrap="square" rtlCol="0">
+            <a:spAutoFit/>
+          </a:bodyPr>
+          <a:lstStyle/>
+          <a:p>
+            <a:r>
+              <a:rPr lang="ru-RU" dirty="0"/>
+              <a:t>Для примера сделаем выборку из таблицы с ценой больше 90.</a:t>
+            </a:r>
+          </a:p>
+          <a:p>
+            <a:endParaRPr lang="ru-RU" dirty="0"/>
+          </a:p>
+        </p:txBody>
+      </p:sp>
+      <p:sp>
+        <p:nvSpPr>
+          <p:cNvPr id="7" name="TextBox 6"/>
+          <p:cNvSpPr txBox="1"/>
+          <p:nvPr/>
+        </p:nvSpPr>
+        <p:spPr>
+          <a:xfrm>
+            <a:off x="389021" y="5315565"/>
+            <a:ext cx="5289885" cy="1200329"/>
+          </a:xfrm>
+          <a:prstGeom prst="rect">
+            <a:avLst/>
+          </a:prstGeom>
+          <a:noFill/>
+        </p:spPr>
+        <p:txBody>
+          <a:bodyPr wrap="square" rtlCol="0">
+            <a:spAutoFit/>
+          </a:bodyPr>
+          <a:lstStyle/>
+          <a:p>
+            <a:r>
+              <a:rPr lang="ru-RU" dirty="0"/>
+              <a:t>В условии выборки мы можем использовать любое логическое выражение. Сделаем еще одну выборку с ценой больше 90 и ID товара меньше 300:</a:t>
+            </a:r>
+            <a:r>
+              <a:rPr lang="ru-RU" dirty="0"/>
+              <a:t/>
+            </a:r>
+            <a:br>
+              <a:rPr lang="ru-RU" dirty="0"/>
+            </a:br>
+            <a:endParaRPr lang="ru-RU" dirty="0"/>
           </a:p>
         </p:txBody>
       </p:sp>
     </p:spTree>
     <p:extLst>
       <p:ext uri="{BB962C8B-B14F-4D97-AF65-F5344CB8AC3E}">
-        <p14:creationId xmlns:p14="http://schemas.microsoft.com/office/powerpoint/2010/main" val="3412863627"/>
+        <p14:creationId xmlns:p14="http://schemas.microsoft.com/office/powerpoint/2010/main" val="810074207"/>
       </p:ext>
     </p:extLst>
   </p:cSld>
